--- a/Day 5/slide/Pattern Design.pptx
+++ b/Day 5/slide/Pattern Design.pptx
@@ -5,41 +5,44 @@
     <p:sldMasterId id="2147483672" r:id="rId1"/>
   </p:sldMasterIdLst>
   <p:notesMasterIdLst>
-    <p:notesMasterId r:id="rId10"/>
+    <p:notesMasterId r:id="rId13"/>
   </p:notesMasterIdLst>
   <p:sldIdLst>
     <p:sldId id="319" r:id="rId2"/>
     <p:sldId id="328" r:id="rId3"/>
     <p:sldId id="304" r:id="rId4"/>
     <p:sldId id="327" r:id="rId5"/>
-    <p:sldId id="320" r:id="rId6"/>
-    <p:sldId id="321" r:id="rId7"/>
-    <p:sldId id="322" r:id="rId8"/>
-    <p:sldId id="281" r:id="rId9"/>
+    <p:sldId id="330" r:id="rId6"/>
+    <p:sldId id="331" r:id="rId7"/>
+    <p:sldId id="320" r:id="rId8"/>
+    <p:sldId id="321" r:id="rId9"/>
+    <p:sldId id="322" r:id="rId10"/>
+    <p:sldId id="329" r:id="rId11"/>
+    <p:sldId id="281" r:id="rId12"/>
   </p:sldIdLst>
   <p:sldSz cx="9144000" cy="5143500" type="screen16x9"/>
   <p:notesSz cx="6858000" cy="9144000"/>
   <p:embeddedFontLst>
     <p:embeddedFont>
       <p:font typeface="Anaheim" panose="02000503000000000000" pitchFamily="2" charset="77"/>
-      <p:regular r:id="rId11"/>
+      <p:regular r:id="rId14"/>
     </p:embeddedFont>
     <p:embeddedFont>
       <p:font typeface="Overpass Mono" panose="020B0009030203020204" pitchFamily="49" charset="77"/>
-      <p:regular r:id="rId12"/>
-      <p:bold r:id="rId13"/>
+      <p:regular r:id="rId15"/>
+      <p:bold r:id="rId16"/>
     </p:embeddedFont>
     <p:embeddedFont>
       <p:font typeface="Roboto" panose="02000000000000000000" pitchFamily="2" charset="0"/>
-      <p:regular r:id="rId14"/>
-      <p:bold r:id="rId15"/>
-      <p:italic r:id="rId16"/>
-      <p:boldItalic r:id="rId17"/>
+      <p:regular r:id="rId17"/>
+      <p:bold r:id="rId18"/>
+      <p:italic r:id="rId19"/>
+      <p:boldItalic r:id="rId20"/>
     </p:embeddedFont>
     <p:embeddedFont>
       <p:font typeface="Roboto Condensed Light" panose="020F0302020204030204" pitchFamily="34" charset="0"/>
-      <p:regular r:id="rId18"/>
-      <p:italic r:id="rId19"/>
+      <p:regular r:id="rId21"/>
+      <p:italic r:id="rId22"/>
     </p:embeddedFont>
   </p:embeddedFontLst>
   <p:defaultTextStyle>
@@ -3751,6 +3754,314 @@
 </p:sld>
 </file>
 
+<file path=ppt/slides/slide10.xml><?xml version="1.0" encoding="utf-8"?>
+<p:sld xmlns:a="http://schemas.openxmlformats.org/drawingml/2006/main" xmlns:r="http://schemas.openxmlformats.org/officeDocument/2006/relationships" xmlns:p="http://schemas.openxmlformats.org/presentationml/2006/main">
+  <p:cSld>
+    <p:spTree>
+      <p:nvGrpSpPr>
+        <p:cNvPr id="1" name=""/>
+        <p:cNvGrpSpPr/>
+        <p:nvPr/>
+      </p:nvGrpSpPr>
+      <p:grpSpPr>
+        <a:xfrm>
+          <a:off x="0" y="0"/>
+          <a:ext cx="0" cy="0"/>
+          <a:chOff x="0" y="0"/>
+          <a:chExt cx="0" cy="0"/>
+        </a:xfrm>
+      </p:grpSpPr>
+      <p:sp>
+        <p:nvSpPr>
+          <p:cNvPr id="2" name="Sottotitolo 1">
+            <a:extLst>
+              <a:ext uri="{FF2B5EF4-FFF2-40B4-BE49-F238E27FC236}">
+                <a16:creationId xmlns:a16="http://schemas.microsoft.com/office/drawing/2014/main" id="{F36C5811-13FA-963B-38A2-213F1DC2A976}"/>
+              </a:ext>
+            </a:extLst>
+          </p:cNvPr>
+          <p:cNvSpPr>
+            <a:spLocks noGrp="1"/>
+          </p:cNvSpPr>
+          <p:nvPr>
+            <p:ph type="subTitle" idx="1"/>
+          </p:nvPr>
+        </p:nvSpPr>
+        <p:spPr>
+          <a:xfrm flipH="1">
+            <a:off x="720000" y="1414731"/>
+            <a:ext cx="7704000" cy="2900960"/>
+          </a:xfrm>
+        </p:spPr>
+        <p:txBody>
+          <a:bodyPr/>
+          <a:lstStyle/>
+          <a:p>
+            <a:r>
+              <a:rPr lang="it-IT" dirty="0"/>
+              <a:t>Il pattern </a:t>
+            </a:r>
+            <a:r>
+              <a:rPr lang="it-IT" dirty="0" err="1"/>
+              <a:t>Facade</a:t>
+            </a:r>
+            <a:r>
+              <a:rPr lang="it-IT" dirty="0"/>
+              <a:t> (Facciata) è un design pattern strutturale che fornisce un'interfaccia unificata semplificata per un sottosistema complesso, rendendolo più facile da usare. Il pattern </a:t>
+            </a:r>
+            <a:r>
+              <a:rPr lang="it-IT" dirty="0" err="1"/>
+              <a:t>Facade</a:t>
+            </a:r>
+            <a:r>
+              <a:rPr lang="it-IT" dirty="0"/>
+              <a:t> nasconde i dettagli di implementazione complessi di un sottosistema e fornisce agli utenti una semplice interfaccia per interagire con esso.</a:t>
+            </a:r>
+          </a:p>
+          <a:p>
+            <a:r>
+              <a:rPr lang="it-IT" dirty="0"/>
+              <a:t>Scopo del pattern </a:t>
+            </a:r>
+            <a:r>
+              <a:rPr lang="it-IT" dirty="0" err="1"/>
+              <a:t>Facade</a:t>
+            </a:r>
+            <a:r>
+              <a:rPr lang="it-IT" dirty="0"/>
+              <a:t>: Il pattern </a:t>
+            </a:r>
+            <a:r>
+              <a:rPr lang="it-IT" dirty="0" err="1"/>
+              <a:t>Facade</a:t>
+            </a:r>
+            <a:r>
+              <a:rPr lang="it-IT" dirty="0"/>
+              <a:t> è utile quando un sottosistema complesso è composto da diverse classi o componenti e si desidera semplificare l'interazione con tale sottosistema. Un'interfaccia unificata offerta dal </a:t>
+            </a:r>
+            <a:r>
+              <a:rPr lang="it-IT" dirty="0" err="1"/>
+              <a:t>Facade</a:t>
+            </a:r>
+            <a:r>
+              <a:rPr lang="it-IT"/>
+              <a:t> aiuta a ridurre la dipendenza delle classi client dal sottosistema complesso, migliorando la modularità e facilitando la manutenzione.</a:t>
+            </a:r>
+          </a:p>
+        </p:txBody>
+      </p:sp>
+      <p:sp>
+        <p:nvSpPr>
+          <p:cNvPr id="3" name="Titolo 2">
+            <a:extLst>
+              <a:ext uri="{FF2B5EF4-FFF2-40B4-BE49-F238E27FC236}">
+                <a16:creationId xmlns:a16="http://schemas.microsoft.com/office/drawing/2014/main" id="{7C241545-EA7D-D838-2117-27B3F56E9BC4}"/>
+              </a:ext>
+            </a:extLst>
+          </p:cNvPr>
+          <p:cNvSpPr>
+            <a:spLocks noGrp="1"/>
+          </p:cNvSpPr>
+          <p:nvPr>
+            <p:ph type="title"/>
+          </p:nvPr>
+        </p:nvSpPr>
+        <p:spPr>
+          <a:xfrm>
+            <a:off x="1278050" y="343199"/>
+            <a:ext cx="6588000" cy="1071531"/>
+          </a:xfrm>
+        </p:spPr>
+        <p:txBody>
+          <a:bodyPr/>
+          <a:lstStyle/>
+          <a:p>
+            <a:r>
+              <a:rPr lang="it-IT" dirty="0" err="1"/>
+              <a:t>Facades</a:t>
+            </a:r>
+            <a:endParaRPr lang="it-IT" dirty="0"/>
+          </a:p>
+        </p:txBody>
+      </p:sp>
+    </p:spTree>
+    <p:extLst>
+      <p:ext uri="{BB962C8B-B14F-4D97-AF65-F5344CB8AC3E}">
+        <p14:creationId xmlns:p14="http://schemas.microsoft.com/office/powerpoint/2010/main" val="3255538169"/>
+      </p:ext>
+    </p:extLst>
+  </p:cSld>
+  <p:clrMapOvr>
+    <a:masterClrMapping/>
+  </p:clrMapOvr>
+</p:sld>
+</file>
+
+<file path=ppt/slides/slide11.xml><?xml version="1.0" encoding="utf-8"?>
+<p:sld xmlns:a="http://schemas.openxmlformats.org/drawingml/2006/main" xmlns:r="http://schemas.openxmlformats.org/officeDocument/2006/relationships" xmlns:p="http://schemas.openxmlformats.org/presentationml/2006/main">
+  <p:cSld>
+    <p:spTree>
+      <p:nvGrpSpPr>
+        <p:cNvPr id="1" name="Shape 897"/>
+        <p:cNvGrpSpPr/>
+        <p:nvPr/>
+      </p:nvGrpSpPr>
+      <p:grpSpPr>
+        <a:xfrm>
+          <a:off x="0" y="0"/>
+          <a:ext cx="0" cy="0"/>
+          <a:chOff x="0" y="0"/>
+          <a:chExt cx="0" cy="0"/>
+        </a:xfrm>
+      </p:grpSpPr>
+      <p:sp>
+        <p:nvSpPr>
+          <p:cNvPr id="898" name="Google Shape;898;p52"/>
+          <p:cNvSpPr txBox="1">
+            <a:spLocks noGrp="1"/>
+          </p:cNvSpPr>
+          <p:nvPr>
+            <p:ph type="title"/>
+          </p:nvPr>
+        </p:nvSpPr>
+        <p:spPr>
+          <a:xfrm>
+            <a:off x="2951850" y="700250"/>
+            <a:ext cx="3240300" cy="669000"/>
+          </a:xfrm>
+          <a:prstGeom prst="rect">
+            <a:avLst/>
+          </a:prstGeom>
+        </p:spPr>
+        <p:txBody>
+          <a:bodyPr spcFirstLastPara="1" wrap="square" lIns="91425" tIns="91425" rIns="91425" bIns="91425" anchor="t" anchorCtr="0">
+            <a:noAutofit/>
+          </a:bodyPr>
+          <a:lstStyle/>
+          <a:p>
+            <a:pPr marL="0" lvl="0" indent="0" algn="ctr" rtl="0">
+              <a:spcBef>
+                <a:spcPts val="0"/>
+              </a:spcBef>
+              <a:spcAft>
+                <a:spcPts val="0"/>
+              </a:spcAft>
+              <a:buNone/>
+            </a:pPr>
+            <a:r>
+              <a:rPr lang="en"/>
+              <a:t>THANKS!</a:t>
+            </a:r>
+            <a:endParaRPr/>
+          </a:p>
+        </p:txBody>
+      </p:sp>
+      <p:sp>
+        <p:nvSpPr>
+          <p:cNvPr id="899" name="Google Shape;899;p52"/>
+          <p:cNvSpPr txBox="1">
+            <a:spLocks noGrp="1"/>
+          </p:cNvSpPr>
+          <p:nvPr>
+            <p:ph type="subTitle" idx="1"/>
+          </p:nvPr>
+        </p:nvSpPr>
+        <p:spPr>
+          <a:xfrm>
+            <a:off x="2951850" y="1515875"/>
+            <a:ext cx="3240300" cy="1208400"/>
+          </a:xfrm>
+          <a:prstGeom prst="rect">
+            <a:avLst/>
+          </a:prstGeom>
+        </p:spPr>
+        <p:txBody>
+          <a:bodyPr spcFirstLastPara="1" wrap="square" lIns="91425" tIns="0" rIns="91425" bIns="91425" anchor="t" anchorCtr="0">
+            <a:noAutofit/>
+          </a:bodyPr>
+          <a:lstStyle/>
+          <a:p>
+            <a:pPr marL="0" lvl="0" indent="0" algn="ctr" rtl="0">
+              <a:spcBef>
+                <a:spcPts val="0"/>
+              </a:spcBef>
+              <a:spcAft>
+                <a:spcPts val="0"/>
+              </a:spcAft>
+              <a:buNone/>
+            </a:pPr>
+            <a:endParaRPr dirty="0"/>
+          </a:p>
+          <a:p>
+            <a:pPr marL="0" lvl="0" indent="0" algn="ctr" rtl="0">
+              <a:spcBef>
+                <a:spcPts val="0"/>
+              </a:spcBef>
+              <a:spcAft>
+                <a:spcPts val="0"/>
+              </a:spcAft>
+              <a:buNone/>
+            </a:pPr>
+            <a:endParaRPr dirty="0"/>
+          </a:p>
+          <a:p>
+            <a:pPr marL="0" lvl="0" indent="0" algn="ctr" rtl="0">
+              <a:spcBef>
+                <a:spcPts val="0"/>
+              </a:spcBef>
+              <a:spcAft>
+                <a:spcPts val="0"/>
+              </a:spcAft>
+              <a:buNone/>
+            </a:pPr>
+            <a:endParaRPr dirty="0"/>
+          </a:p>
+          <a:p>
+            <a:pPr marL="0" lvl="0" indent="0" algn="ctr" rtl="0">
+              <a:spcBef>
+                <a:spcPts val="0"/>
+              </a:spcBef>
+              <a:spcAft>
+                <a:spcPts val="0"/>
+              </a:spcAft>
+              <a:buNone/>
+            </a:pPr>
+            <a:endParaRPr dirty="0"/>
+          </a:p>
+          <a:p>
+            <a:pPr marL="0" lvl="0" indent="0" algn="ctr" rtl="0">
+              <a:spcBef>
+                <a:spcPts val="0"/>
+              </a:spcBef>
+              <a:spcAft>
+                <a:spcPts val="0"/>
+              </a:spcAft>
+              <a:buNone/>
+            </a:pPr>
+            <a:endParaRPr dirty="0"/>
+          </a:p>
+          <a:p>
+            <a:pPr marL="0" lvl="0" indent="0" algn="ctr" rtl="0">
+              <a:spcBef>
+                <a:spcPts val="0"/>
+              </a:spcBef>
+              <a:spcAft>
+                <a:spcPts val="0"/>
+              </a:spcAft>
+              <a:buNone/>
+            </a:pPr>
+            <a:endParaRPr dirty="0"/>
+          </a:p>
+        </p:txBody>
+      </p:sp>
+    </p:spTree>
+  </p:cSld>
+  <p:clrMapOvr>
+    <a:masterClrMapping/>
+  </p:clrMapOvr>
+</p:sld>
+</file>
+
 <file path=ppt/slides/slide2.xml><?xml version="1.0" encoding="utf-8"?>
 <p:sld xmlns:a="http://schemas.openxmlformats.org/drawingml/2006/main" xmlns:r="http://schemas.openxmlformats.org/officeDocument/2006/relationships" xmlns:p="http://schemas.openxmlformats.org/presentationml/2006/main">
   <p:cSld>
@@ -4064,9 +4375,9 @@
             </a:r>
           </a:p>
           <a:p>
-            <a:pPr>
-              <a:buFont typeface="+mj-lt"/>
-              <a:buAutoNum type="arabicPeriod"/>
+            <a:pPr lvl="1" algn="l">
+              <a:buFont typeface="Arial" panose="020B0604020202020204" pitchFamily="34" charset="0"/>
+              <a:buChar char="•"/>
             </a:pPr>
             <a:r>
               <a:rPr lang="it-IT" b="1" dirty="0"/>
@@ -4078,9 +4389,9 @@
             </a:r>
           </a:p>
           <a:p>
-            <a:pPr>
-              <a:buFont typeface="+mj-lt"/>
-              <a:buAutoNum type="arabicPeriod"/>
+            <a:pPr lvl="1" algn="l">
+              <a:buFont typeface="Arial" panose="020B0604020202020204" pitchFamily="34" charset="0"/>
+              <a:buChar char="•"/>
             </a:pPr>
             <a:r>
               <a:rPr lang="it-IT" b="1" dirty="0"/>
@@ -4092,9 +4403,9 @@
             </a:r>
           </a:p>
           <a:p>
-            <a:pPr>
-              <a:buFont typeface="+mj-lt"/>
-              <a:buAutoNum type="arabicPeriod"/>
+            <a:pPr lvl="1" algn="l">
+              <a:buFont typeface="Arial" panose="020B0604020202020204" pitchFamily="34" charset="0"/>
+              <a:buChar char="•"/>
             </a:pPr>
             <a:r>
               <a:rPr lang="it-IT" b="1" dirty="0"/>
@@ -4106,9 +4417,9 @@
             </a:r>
           </a:p>
           <a:p>
-            <a:pPr>
-              <a:buFont typeface="+mj-lt"/>
-              <a:buAutoNum type="arabicPeriod"/>
+            <a:pPr lvl="1" algn="l">
+              <a:buFont typeface="Arial" panose="020B0604020202020204" pitchFamily="34" charset="0"/>
+              <a:buChar char="•"/>
             </a:pPr>
             <a:r>
               <a:rPr lang="it-IT" b="1" dirty="0"/>
@@ -4197,7 +4508,7 @@
           <p:cNvPr id="2" name="Sottotitolo 1">
             <a:extLst>
               <a:ext uri="{FF2B5EF4-FFF2-40B4-BE49-F238E27FC236}">
-                <a16:creationId xmlns:a16="http://schemas.microsoft.com/office/drawing/2014/main" id="{F36C5811-13FA-963B-38A2-213F1DC2A976}"/>
+                <a16:creationId xmlns:a16="http://schemas.microsoft.com/office/drawing/2014/main" id="{4230CDBF-64DC-3213-9AB7-06433A1A14F0}"/>
               </a:ext>
             </a:extLst>
           </p:cNvPr>
@@ -4208,91 +4519,51 @@
             <p:ph type="subTitle" idx="1"/>
           </p:nvPr>
         </p:nvSpPr>
-        <p:spPr>
-          <a:xfrm flipH="1">
-            <a:off x="720000" y="1414731"/>
-            <a:ext cx="7704000" cy="490269"/>
-          </a:xfrm>
-        </p:spPr>
+        <p:spPr/>
         <p:txBody>
           <a:bodyPr/>
           <a:lstStyle/>
           <a:p>
-            <a:pPr>
-              <a:buFont typeface="+mj-lt"/>
-              <a:buAutoNum type="arabicPeriod"/>
+            <a:pPr marL="114300" indent="0">
+              <a:buNone/>
             </a:pPr>
             <a:r>
+              <a:rPr lang="it-IT" dirty="0"/>
+              <a:t>Spring Boot promuove un basso accoppiamento nei seguenti casi:</a:t>
+            </a:r>
+          </a:p>
+          <a:p>
+            <a:pPr lvl="1" algn="l">
+              <a:buFont typeface="Arial" panose="020B0604020202020204" pitchFamily="34" charset="0"/>
+              <a:buChar char="•"/>
+            </a:pPr>
+            <a:r>
+              <a:rPr lang="it-IT" b="1" dirty="0" err="1"/>
+              <a:t>Dependency</a:t>
+            </a:r>
+            <a:r>
               <a:rPr lang="it-IT" b="1" dirty="0"/>
-              <a:t>Singleton Pattern</a:t>
-            </a:r>
-            <a:r>
-              <a:rPr lang="it-IT" dirty="0"/>
-              <a:t>: Il Singleton Pattern è un design pattern </a:t>
+              <a:t> Injection (DI)</a:t>
+            </a:r>
+            <a:r>
+              <a:rPr lang="it-IT" dirty="0"/>
+              <a:t>: Spring Boot adotta fortemente l'</a:t>
             </a:r>
             <a:r>
               <a:rPr lang="it-IT" dirty="0" err="1"/>
-              <a:t>creazionale</a:t>
-            </a:r>
-            <a:r>
-              <a:rPr lang="it-IT" dirty="0"/>
-              <a:t> che garantisce che una classe abbia una sola istanza e fornisce un punto globale di accesso a questa istanza. In altre parole, assicura che una classe possa essere istanziata una sola volta e fornisce un modo per accedere a questa istanza in modo globale. In Java, il Singleton Pattern viene spesso implementato utilizzando un metodo statico e un campo statico per mantenere l'istanza unica.</a:t>
-            </a:r>
-          </a:p>
-          <a:p>
-            <a:pPr lvl="1"/>
-            <a:r>
-              <a:rPr lang="it-IT" dirty="0"/>
-              <a:t>Nel contesto di Spring Boot, tuttavia, la creazione di singleton non è necessaria in quanto Spring Boot gestisce automaticamente la creazione e la gestione dei </a:t>
+              <a:t>Inversion</a:t>
+            </a:r>
+            <a:r>
+              <a:rPr lang="it-IT" dirty="0"/>
+              <a:t> of Control (</a:t>
             </a:r>
             <a:r>
               <a:rPr lang="it-IT" dirty="0" err="1"/>
-              <a:t>bean</a:t>
-            </a:r>
-            <a:r>
-              <a:rPr lang="it-IT" dirty="0"/>
-              <a:t> singleton. Tutti i </a:t>
-            </a:r>
-            <a:r>
-              <a:rPr lang="it-IT" dirty="0" err="1"/>
-              <a:t>bean</a:t>
-            </a:r>
-            <a:r>
-              <a:rPr lang="it-IT" dirty="0"/>
-              <a:t> definiti come componenti di Spring (annotati con @Component, @Service, @Repository, ecc.) vengono creati come singleton di default. Ciò significa che ogni volta che viene richiesto un </a:t>
-            </a:r>
-            <a:r>
-              <a:rPr lang="it-IT" dirty="0" err="1"/>
-              <a:t>bean</a:t>
-            </a:r>
-            <a:r>
-              <a:rPr lang="it-IT" dirty="0"/>
-              <a:t> specifico, viene restituita la stessa istanza del </a:t>
-            </a:r>
-            <a:r>
-              <a:rPr lang="it-IT" dirty="0" err="1"/>
-              <a:t>bean</a:t>
-            </a:r>
-            <a:r>
-              <a:rPr lang="it-IT" dirty="0"/>
-              <a:t>. Non è necessario gestire manualmente il Singleton Pattern in un'applicazione Spring Boot per le classi dei componenti gestite dal framework.</a:t>
-            </a:r>
-          </a:p>
-          <a:p>
-            <a:endParaRPr lang="it-IT" dirty="0"/>
-          </a:p>
-          <a:p>
-            <a:pPr>
-              <a:buFont typeface="+mj-lt"/>
-              <a:buAutoNum type="arabicPeriod" startAt="2"/>
-            </a:pPr>
-            <a:r>
-              <a:rPr lang="it-IT" b="1" dirty="0"/>
-              <a:t>Iniezione delle Dipendenze in Spring Boot</a:t>
-            </a:r>
-            <a:r>
-              <a:rPr lang="it-IT" dirty="0"/>
-              <a:t>: La </a:t>
+              <a:t>IoC</a:t>
+            </a:r>
+            <a:r>
+              <a:rPr lang="it-IT" dirty="0"/>
+              <a:t>) e l'Iniezione delle Dipendenze (</a:t>
             </a:r>
             <a:r>
               <a:rPr lang="it-IT" dirty="0" err="1"/>
@@ -4300,7 +4571,7 @@
             </a:r>
             <a:r>
               <a:rPr lang="it-IT" dirty="0"/>
-              <a:t> Injection è un meccanismo utilizzato da Spring Boot per gestire le dipendenze tra i componenti dell'applicazione. Invece di creare manualmente e gestire le dipendenze tra le classi, Spring Boot offre un meccanismo di iniezione delle dipendenze, dove le dipendenze vengono automaticamente fornite alle classi dal framework. Questo è spesso fatto attraverso l'annotazione @</a:t>
+              <a:t> Injection) per ridurre l'accoppiamento tra i componenti. Utilizzando l'annotazione @</a:t>
             </a:r>
             <a:r>
               <a:rPr lang="it-IT" dirty="0" err="1"/>
@@ -4308,13 +4579,38 @@
             </a:r>
             <a:r>
               <a:rPr lang="it-IT" dirty="0"/>
-              <a:t>.</a:t>
-            </a:r>
-          </a:p>
-          <a:p>
-            <a:pPr marL="114300" indent="0">
-              <a:buNone/>
+              <a:t> o le dipendenze definite tramite costruttore/setter, Spring gestisce l'iniezione delle dipendenze e consente alle componenti di collaborare senza doversi preoccupare delle istanze delle dipendenze stesse.</a:t>
+            </a:r>
+          </a:p>
+          <a:p>
+            <a:pPr lvl="1" algn="l">
+              <a:buFont typeface="Arial" panose="020B0604020202020204" pitchFamily="34" charset="0"/>
+              <a:buChar char="•"/>
             </a:pPr>
+            <a:r>
+              <a:rPr lang="it-IT" b="1" dirty="0"/>
+              <a:t>Utilizzo di interfacce</a:t>
+            </a:r>
+            <a:r>
+              <a:rPr lang="it-IT" dirty="0"/>
+              <a:t>: Spring Boot incoraggia l'uso di interfacce per definire le dipendenze e il contratto delle classi. Questo permette di sostituire facilmente le implementazioni delle interfacce senza dover modificare il codice client.</a:t>
+            </a:r>
+          </a:p>
+          <a:p>
+            <a:pPr lvl="1" algn="l">
+              <a:buFont typeface="Arial" panose="020B0604020202020204" pitchFamily="34" charset="0"/>
+              <a:buChar char="•"/>
+            </a:pPr>
+            <a:r>
+              <a:rPr lang="it-IT" b="1" dirty="0"/>
+              <a:t>Spring Boot Starter</a:t>
+            </a:r>
+            <a:r>
+              <a:rPr lang="it-IT" dirty="0"/>
+              <a:t>: Spring Boot fornisce i cosiddetti "starter" che semplificano la configurazione delle dipendenze del progetto. Questi starter raccolgono tutte le dipendenze necessarie per utilizzare specifiche funzionalità, permettendo di aggiungere rapidamente nuovi moduli o librerie senza preoccuparsi delle dipendenze correlate.</a:t>
+            </a:r>
+          </a:p>
+          <a:p>
             <a:endParaRPr lang="it-IT" dirty="0"/>
           </a:p>
         </p:txBody>
@@ -4324,7 +4620,7 @@
           <p:cNvPr id="3" name="Titolo 2">
             <a:extLst>
               <a:ext uri="{FF2B5EF4-FFF2-40B4-BE49-F238E27FC236}">
-                <a16:creationId xmlns:a16="http://schemas.microsoft.com/office/drawing/2014/main" id="{7C241545-EA7D-D838-2117-27B3F56E9BC4}"/>
+                <a16:creationId xmlns:a16="http://schemas.microsoft.com/office/drawing/2014/main" id="{40ADE568-B238-6702-7A47-842EE04075A4}"/>
               </a:ext>
             </a:extLst>
           </p:cNvPr>
@@ -4335,35 +4631,27 @@
             <p:ph type="title"/>
           </p:nvPr>
         </p:nvSpPr>
-        <p:spPr>
-          <a:xfrm>
-            <a:off x="1278050" y="343199"/>
-            <a:ext cx="6588000" cy="1071531"/>
-          </a:xfrm>
-        </p:spPr>
+        <p:spPr/>
         <p:txBody>
           <a:bodyPr/>
           <a:lstStyle/>
           <a:p>
             <a:r>
               <a:rPr lang="it-IT" dirty="0"/>
-              <a:t>singleton vs </a:t>
+              <a:t>Low </a:t>
             </a:r>
             <a:r>
               <a:rPr lang="it-IT" dirty="0" err="1"/>
-              <a:t>dependency</a:t>
-            </a:r>
-            <a:r>
-              <a:rPr lang="it-IT" dirty="0"/>
-              <a:t> injection</a:t>
-            </a:r>
+              <a:t>coupling</a:t>
+            </a:r>
+            <a:endParaRPr lang="it-IT" dirty="0"/>
           </a:p>
         </p:txBody>
       </p:sp>
     </p:spTree>
     <p:extLst>
       <p:ext uri="{BB962C8B-B14F-4D97-AF65-F5344CB8AC3E}">
-        <p14:creationId xmlns:p14="http://schemas.microsoft.com/office/powerpoint/2010/main" val="463949781"/>
+        <p14:creationId xmlns:p14="http://schemas.microsoft.com/office/powerpoint/2010/main" val="4199774989"/>
       </p:ext>
     </p:extLst>
   </p:cSld>
@@ -4395,7 +4683,7 @@
           <p:cNvPr id="2" name="Sottotitolo 1">
             <a:extLst>
               <a:ext uri="{FF2B5EF4-FFF2-40B4-BE49-F238E27FC236}">
-                <a16:creationId xmlns:a16="http://schemas.microsoft.com/office/drawing/2014/main" id="{F36C5811-13FA-963B-38A2-213F1DC2A976}"/>
+                <a16:creationId xmlns:a16="http://schemas.microsoft.com/office/drawing/2014/main" id="{4230CDBF-64DC-3213-9AB7-06433A1A14F0}"/>
               </a:ext>
             </a:extLst>
           </p:cNvPr>
@@ -4406,26 +4694,100 @@
             <p:ph type="subTitle" idx="1"/>
           </p:nvPr>
         </p:nvSpPr>
-        <p:spPr>
-          <a:xfrm flipH="1">
-            <a:off x="720000" y="1414731"/>
-            <a:ext cx="7704000" cy="490269"/>
-          </a:xfrm>
-        </p:spPr>
+        <p:spPr/>
         <p:txBody>
           <a:bodyPr/>
           <a:lstStyle/>
           <a:p>
-            <a:r>
-              <a:rPr lang="it-IT" dirty="0"/>
-              <a:t>L'obiettivo principale dell'Adapter Pattern è fornire un'interfaccia comune per oggetti con interfacce diverse, in modo che possano essere utilizzati insieme senza modificare il codice esistente.</a:t>
-            </a:r>
-          </a:p>
-          <a:p>
-            <a:r>
-              <a:rPr lang="it-IT" dirty="0"/>
-              <a:t>Immagina di avere una classe esistente (o un sistema) con una determinata interfaccia e un'altra classe che necessita di interagire con questa ma ha un'interfaccia incompatibile. L'Adapter Pattern fornisce un "adattatore" che si interpone tra queste due classi, traducendo le chiamate dell'interfaccia dell'oggetto sorgente nell'interfaccia attesa dall'oggetto cliente.</a:t>
-            </a:r>
+            <a:pPr lvl="1" algn="l">
+              <a:buFont typeface="Arial" panose="020B0604020202020204" pitchFamily="34" charset="0"/>
+              <a:buChar char="•"/>
+            </a:pPr>
+            <a:r>
+              <a:rPr lang="it-IT" b="1" dirty="0"/>
+              <a:t>Spring Framework modulare</a:t>
+            </a:r>
+            <a:r>
+              <a:rPr lang="it-IT" dirty="0"/>
+              <a:t>: Spring Boot sfrutta la modularità del framework Spring, consentendo di suddividere il sistema in componenti piccole e ben definite con una bassa dipendenza tra loro.</a:t>
+            </a:r>
+          </a:p>
+          <a:p>
+            <a:pPr lvl="1" algn="l">
+              <a:buFont typeface="Arial" panose="020B0604020202020204" pitchFamily="34" charset="0"/>
+              <a:buChar char="•"/>
+            </a:pPr>
+            <a:r>
+              <a:rPr lang="it-IT" b="1" dirty="0"/>
+              <a:t>Configurazione esterna</a:t>
+            </a:r>
+            <a:r>
+              <a:rPr lang="it-IT" dirty="0"/>
+              <a:t>: Spring Boot permette di configurare molte proprietà tramite file di configurazione esterni, come </a:t>
+            </a:r>
+            <a:r>
+              <a:rPr lang="it-IT" dirty="0" err="1"/>
+              <a:t>application.properties</a:t>
+            </a:r>
+            <a:r>
+              <a:rPr lang="it-IT" dirty="0"/>
+              <a:t> o </a:t>
+            </a:r>
+            <a:r>
+              <a:rPr lang="it-IT" dirty="0" err="1"/>
+              <a:t>application.yml</a:t>
+            </a:r>
+            <a:r>
+              <a:rPr lang="it-IT" dirty="0"/>
+              <a:t>. Questa esternalizzazione della configurazione riduce l'accoppiamento tra il codice e le configurazioni specifiche dell'ambiente.</a:t>
+            </a:r>
+          </a:p>
+          <a:p>
+            <a:pPr lvl="1" algn="l">
+              <a:buFont typeface="Arial" panose="020B0604020202020204" pitchFamily="34" charset="0"/>
+              <a:buChar char="•"/>
+            </a:pPr>
+            <a:r>
+              <a:rPr lang="it-IT" b="1" dirty="0"/>
+              <a:t>Gestione degli eventi</a:t>
+            </a:r>
+            <a:r>
+              <a:rPr lang="it-IT" dirty="0"/>
+              <a:t>: Spring Boot fornisce un meccanismo di gestione degli eventi che permette alle diverse parti del sistema di comunicare tra loro senza accoppiamento diretto.</a:t>
+            </a:r>
+          </a:p>
+          <a:p>
+            <a:pPr lvl="1" algn="l">
+              <a:buFont typeface="Arial" panose="020B0604020202020204" pitchFamily="34" charset="0"/>
+              <a:buChar char="•"/>
+            </a:pPr>
+            <a:r>
+              <a:rPr lang="it-IT" b="1" dirty="0"/>
+              <a:t>Utilizzo di pattern di progettazione</a:t>
+            </a:r>
+            <a:r>
+              <a:rPr lang="it-IT" dirty="0"/>
+              <a:t>: Spring Boot supporta pattern di progettazione come </a:t>
+            </a:r>
+            <a:r>
+              <a:rPr lang="it-IT" dirty="0" err="1"/>
+              <a:t>Dependency</a:t>
+            </a:r>
+            <a:r>
+              <a:rPr lang="it-IT" dirty="0"/>
+              <a:t> Injection Container, </a:t>
+            </a:r>
+            <a:r>
+              <a:rPr lang="it-IT" dirty="0" err="1"/>
+              <a:t>Factory</a:t>
+            </a:r>
+            <a:r>
+              <a:rPr lang="it-IT" dirty="0"/>
+              <a:t> Pattern e Proxy Pattern, che contribuiscono a un design a basso accoppiamento.</a:t>
+            </a:r>
+          </a:p>
+          <a:p>
+            <a:endParaRPr lang="it-IT" dirty="0"/>
           </a:p>
         </p:txBody>
       </p:sp>
@@ -4434,7 +4796,7 @@
           <p:cNvPr id="3" name="Titolo 2">
             <a:extLst>
               <a:ext uri="{FF2B5EF4-FFF2-40B4-BE49-F238E27FC236}">
-                <a16:creationId xmlns:a16="http://schemas.microsoft.com/office/drawing/2014/main" id="{7C241545-EA7D-D838-2117-27B3F56E9BC4}"/>
+                <a16:creationId xmlns:a16="http://schemas.microsoft.com/office/drawing/2014/main" id="{40ADE568-B238-6702-7A47-842EE04075A4}"/>
               </a:ext>
             </a:extLst>
           </p:cNvPr>
@@ -4445,27 +4807,27 @@
             <p:ph type="title"/>
           </p:nvPr>
         </p:nvSpPr>
-        <p:spPr>
-          <a:xfrm>
-            <a:off x="1278050" y="343199"/>
-            <a:ext cx="6588000" cy="1071531"/>
-          </a:xfrm>
-        </p:spPr>
+        <p:spPr/>
         <p:txBody>
           <a:bodyPr/>
           <a:lstStyle/>
           <a:p>
             <a:r>
               <a:rPr lang="it-IT" dirty="0"/>
-              <a:t>Adapter</a:t>
-            </a:r>
+              <a:t>Low </a:t>
+            </a:r>
+            <a:r>
+              <a:rPr lang="it-IT" dirty="0" err="1"/>
+              <a:t>coupling</a:t>
+            </a:r>
+            <a:endParaRPr lang="it-IT" dirty="0"/>
           </a:p>
         </p:txBody>
       </p:sp>
     </p:spTree>
     <p:extLst>
       <p:ext uri="{BB962C8B-B14F-4D97-AF65-F5344CB8AC3E}">
-        <p14:creationId xmlns:p14="http://schemas.microsoft.com/office/powerpoint/2010/main" val="404886831"/>
+        <p14:creationId xmlns:p14="http://schemas.microsoft.com/office/powerpoint/2010/main" val="195819303"/>
       </p:ext>
     </p:extLst>
   </p:cSld>
@@ -4511,17 +4873,111 @@
         <p:spPr>
           <a:xfrm flipH="1">
             <a:off x="720000" y="1414731"/>
-            <a:ext cx="7704000" cy="2900960"/>
+            <a:ext cx="7485746" cy="3385570"/>
           </a:xfrm>
         </p:spPr>
         <p:txBody>
           <a:bodyPr/>
           <a:lstStyle/>
           <a:p>
-            <a:r>
-              <a:rPr lang="it-IT" dirty="0"/>
-              <a:t>Scopo del pattern Decorator: Il pattern Decorator viene utilizzato per estendere le funzionalità di un oggetto esistente, aggiungendo nuove responsabilità senza modificarne la sua struttura o rompere il principio di singola responsabilità. Questo permette di evitare una gerarchia di classi eccessivamente complicata, consentendo alle classi di essere composte in modo flessibile.</a:t>
-            </a:r>
+            <a:pPr>
+              <a:buFont typeface="+mj-lt"/>
+              <a:buAutoNum type="arabicPeriod"/>
+            </a:pPr>
+            <a:r>
+              <a:rPr lang="it-IT" b="1" dirty="0"/>
+              <a:t>Singleton Pattern</a:t>
+            </a:r>
+            <a:r>
+              <a:rPr lang="it-IT" dirty="0"/>
+              <a:t>: Il Singleton Pattern è un design pattern </a:t>
+            </a:r>
+            <a:r>
+              <a:rPr lang="it-IT" dirty="0" err="1"/>
+              <a:t>creazionale</a:t>
+            </a:r>
+            <a:r>
+              <a:rPr lang="it-IT" dirty="0"/>
+              <a:t> che garantisce che una classe abbia una sola istanza e fornisce un punto globale di accesso a questa istanza. In altre parole, assicura che una classe possa essere istanziata una sola volta e fornisce un modo per accedere a questa istanza in modo globale. In Java, il Singleton Pattern viene spesso implementato utilizzando un metodo statico e un campo statico per mantenere l'istanza unica.</a:t>
+            </a:r>
+          </a:p>
+          <a:p>
+            <a:pPr lvl="1" algn="l"/>
+            <a:r>
+              <a:rPr lang="it-IT" dirty="0"/>
+              <a:t>Nel contesto di Spring Boot, tuttavia, la creazione di singleton non è necessaria in quanto Spring Boot gestisce automaticamente la creazione e la gestione dei </a:t>
+            </a:r>
+            <a:r>
+              <a:rPr lang="it-IT" dirty="0" err="1"/>
+              <a:t>bean</a:t>
+            </a:r>
+            <a:r>
+              <a:rPr lang="it-IT" dirty="0"/>
+              <a:t> singleton. Tutti i </a:t>
+            </a:r>
+            <a:r>
+              <a:rPr lang="it-IT" dirty="0" err="1"/>
+              <a:t>bean</a:t>
+            </a:r>
+            <a:r>
+              <a:rPr lang="it-IT" dirty="0"/>
+              <a:t> definiti come componenti di Spring (annotati con @Component, @Service, @Repository, ecc.) vengono creati come singleton di default. Ciò significa che ogni volta che viene richiesto un </a:t>
+            </a:r>
+            <a:r>
+              <a:rPr lang="it-IT" dirty="0" err="1"/>
+              <a:t>bean</a:t>
+            </a:r>
+            <a:r>
+              <a:rPr lang="it-IT" dirty="0"/>
+              <a:t> specifico, viene restituita la stessa istanza del </a:t>
+            </a:r>
+            <a:r>
+              <a:rPr lang="it-IT" dirty="0" err="1"/>
+              <a:t>bean</a:t>
+            </a:r>
+            <a:r>
+              <a:rPr lang="it-IT" dirty="0"/>
+              <a:t>. Non è necessario gestire manualmente il Singleton Pattern in un'applicazione Spring Boot per le classi dei componenti gestite dal framework.</a:t>
+            </a:r>
+          </a:p>
+          <a:p>
+            <a:endParaRPr lang="it-IT" dirty="0"/>
+          </a:p>
+          <a:p>
+            <a:pPr>
+              <a:buFont typeface="+mj-lt"/>
+              <a:buAutoNum type="arabicPeriod" startAt="2"/>
+            </a:pPr>
+            <a:r>
+              <a:rPr lang="it-IT" b="1" dirty="0"/>
+              <a:t>Iniezione delle Dipendenze in Spring Boot</a:t>
+            </a:r>
+            <a:r>
+              <a:rPr lang="it-IT" dirty="0"/>
+              <a:t>: La </a:t>
+            </a:r>
+            <a:r>
+              <a:rPr lang="it-IT" dirty="0" err="1"/>
+              <a:t>Dependency</a:t>
+            </a:r>
+            <a:r>
+              <a:rPr lang="it-IT" dirty="0"/>
+              <a:t> Injection è un meccanismo utilizzato da Spring Boot per gestire le dipendenze tra i componenti dell'applicazione. Invece di creare manualmente e gestire le dipendenze tra le classi, Spring Boot offre un meccanismo di iniezione delle dipendenze, dove le dipendenze vengono automaticamente fornite alle classi dal framework. Questo è spesso fatto attraverso l'annotazione @</a:t>
+            </a:r>
+            <a:r>
+              <a:rPr lang="it-IT" dirty="0" err="1"/>
+              <a:t>Autowired</a:t>
+            </a:r>
+            <a:r>
+              <a:rPr lang="it-IT" dirty="0"/>
+              <a:t>.</a:t>
+            </a:r>
+          </a:p>
+          <a:p>
+            <a:pPr marL="114300" indent="0">
+              <a:buNone/>
+            </a:pPr>
+            <a:endParaRPr lang="it-IT" dirty="0"/>
           </a:p>
         </p:txBody>
       </p:sp>
@@ -4553,7 +5009,15 @@
           <a:p>
             <a:r>
               <a:rPr lang="it-IT" dirty="0"/>
-              <a:t>Decorator</a:t>
+              <a:t>singleton vs </a:t>
+            </a:r>
+            <a:r>
+              <a:rPr lang="it-IT" dirty="0" err="1"/>
+              <a:t>dependency</a:t>
+            </a:r>
+            <a:r>
+              <a:rPr lang="it-IT" dirty="0"/>
+              <a:t> injection</a:t>
             </a:r>
           </a:p>
         </p:txBody>
@@ -4561,7 +5025,7 @@
     </p:spTree>
     <p:extLst>
       <p:ext uri="{BB962C8B-B14F-4D97-AF65-F5344CB8AC3E}">
-        <p14:creationId xmlns:p14="http://schemas.microsoft.com/office/powerpoint/2010/main" val="2437436533"/>
+        <p14:creationId xmlns:p14="http://schemas.microsoft.com/office/powerpoint/2010/main" val="463949781"/>
       </p:ext>
     </p:extLst>
   </p:cSld>
@@ -4576,7 +5040,7 @@
   <p:cSld>
     <p:spTree>
       <p:nvGrpSpPr>
-        <p:cNvPr id="1" name="Shape 897"/>
+        <p:cNvPr id="1" name=""/>
         <p:cNvGrpSpPr/>
         <p:nvPr/>
       </p:nvGrpSpPr>
@@ -4590,8 +5054,53 @@
       </p:grpSpPr>
       <p:sp>
         <p:nvSpPr>
-          <p:cNvPr id="898" name="Google Shape;898;p52"/>
-          <p:cNvSpPr txBox="1">
+          <p:cNvPr id="2" name="Sottotitolo 1">
+            <a:extLst>
+              <a:ext uri="{FF2B5EF4-FFF2-40B4-BE49-F238E27FC236}">
+                <a16:creationId xmlns:a16="http://schemas.microsoft.com/office/drawing/2014/main" id="{F36C5811-13FA-963B-38A2-213F1DC2A976}"/>
+              </a:ext>
+            </a:extLst>
+          </p:cNvPr>
+          <p:cNvSpPr>
+            <a:spLocks noGrp="1"/>
+          </p:cNvSpPr>
+          <p:nvPr>
+            <p:ph type="subTitle" idx="1"/>
+          </p:nvPr>
+        </p:nvSpPr>
+        <p:spPr>
+          <a:xfrm flipH="1">
+            <a:off x="720000" y="1414731"/>
+            <a:ext cx="7704000" cy="490269"/>
+          </a:xfrm>
+        </p:spPr>
+        <p:txBody>
+          <a:bodyPr/>
+          <a:lstStyle/>
+          <a:p>
+            <a:r>
+              <a:rPr lang="it-IT" dirty="0"/>
+              <a:t>L'obiettivo principale dell'Adapter Pattern è fornire un'interfaccia comune per oggetti con interfacce diverse, in modo che possano essere utilizzati insieme senza modificare il codice esistente.</a:t>
+            </a:r>
+          </a:p>
+          <a:p>
+            <a:r>
+              <a:rPr lang="it-IT" dirty="0"/>
+              <a:t>Immagina di avere una classe esistente (o un sistema) con una determinata interfaccia e un'altra classe che necessita di interagire con questa ma ha un'interfaccia incompatibile. L'Adapter Pattern fornisce un "adattatore" che si interpone tra queste due classi, traducendo le chiamate dell'interfaccia dell'oggetto sorgente nell'interfaccia attesa dall'oggetto cliente.</a:t>
+            </a:r>
+          </a:p>
+        </p:txBody>
+      </p:sp>
+      <p:sp>
+        <p:nvSpPr>
+          <p:cNvPr id="3" name="Titolo 2">
+            <a:extLst>
+              <a:ext uri="{FF2B5EF4-FFF2-40B4-BE49-F238E27FC236}">
+                <a16:creationId xmlns:a16="http://schemas.microsoft.com/office/drawing/2014/main" id="{7C241545-EA7D-D838-2117-27B3F56E9BC4}"/>
+              </a:ext>
+            </a:extLst>
+          </p:cNvPr>
+          <p:cNvSpPr>
             <a:spLocks noGrp="1"/>
           </p:cNvSpPr>
           <p:nvPr>
@@ -4600,40 +5109,61 @@
         </p:nvSpPr>
         <p:spPr>
           <a:xfrm>
-            <a:off x="2951850" y="700250"/>
-            <a:ext cx="3240300" cy="669000"/>
+            <a:off x="1278050" y="343199"/>
+            <a:ext cx="6588000" cy="1071531"/>
           </a:xfrm>
-          <a:prstGeom prst="rect">
-            <a:avLst/>
-          </a:prstGeom>
         </p:spPr>
         <p:txBody>
-          <a:bodyPr spcFirstLastPara="1" wrap="square" lIns="91425" tIns="91425" rIns="91425" bIns="91425" anchor="t" anchorCtr="0">
-            <a:noAutofit/>
-          </a:bodyPr>
+          <a:bodyPr/>
           <a:lstStyle/>
           <a:p>
-            <a:pPr marL="0" lvl="0" indent="0" algn="ctr" rtl="0">
-              <a:spcBef>
-                <a:spcPts val="0"/>
-              </a:spcBef>
-              <a:spcAft>
-                <a:spcPts val="0"/>
-              </a:spcAft>
-              <a:buNone/>
-            </a:pPr>
-            <a:r>
-              <a:rPr lang="en"/>
-              <a:t>THANKS!</a:t>
-            </a:r>
-            <a:endParaRPr/>
+            <a:r>
+              <a:rPr lang="it-IT" dirty="0"/>
+              <a:t>Adapter</a:t>
+            </a:r>
           </a:p>
         </p:txBody>
       </p:sp>
+    </p:spTree>
+    <p:extLst>
+      <p:ext uri="{BB962C8B-B14F-4D97-AF65-F5344CB8AC3E}">
+        <p14:creationId xmlns:p14="http://schemas.microsoft.com/office/powerpoint/2010/main" val="404886831"/>
+      </p:ext>
+    </p:extLst>
+  </p:cSld>
+  <p:clrMapOvr>
+    <a:masterClrMapping/>
+  </p:clrMapOvr>
+</p:sld>
+</file>
+
+<file path=ppt/slides/slide9.xml><?xml version="1.0" encoding="utf-8"?>
+<p:sld xmlns:a="http://schemas.openxmlformats.org/drawingml/2006/main" xmlns:r="http://schemas.openxmlformats.org/officeDocument/2006/relationships" xmlns:p="http://schemas.openxmlformats.org/presentationml/2006/main">
+  <p:cSld>
+    <p:spTree>
+      <p:nvGrpSpPr>
+        <p:cNvPr id="1" name=""/>
+        <p:cNvGrpSpPr/>
+        <p:nvPr/>
+      </p:nvGrpSpPr>
+      <p:grpSpPr>
+        <a:xfrm>
+          <a:off x="0" y="0"/>
+          <a:ext cx="0" cy="0"/>
+          <a:chOff x="0" y="0"/>
+          <a:chExt cx="0" cy="0"/>
+        </a:xfrm>
+      </p:grpSpPr>
       <p:sp>
         <p:nvSpPr>
-          <p:cNvPr id="899" name="Google Shape;899;p52"/>
-          <p:cNvSpPr txBox="1">
+          <p:cNvPr id="2" name="Sottotitolo 1">
+            <a:extLst>
+              <a:ext uri="{FF2B5EF4-FFF2-40B4-BE49-F238E27FC236}">
+                <a16:creationId xmlns:a16="http://schemas.microsoft.com/office/drawing/2014/main" id="{F36C5811-13FA-963B-38A2-213F1DC2A976}"/>
+              </a:ext>
+            </a:extLst>
+          </p:cNvPr>
+          <p:cNvSpPr>
             <a:spLocks noGrp="1"/>
           </p:cNvSpPr>
           <p:nvPr>
@@ -4641,94 +5171,61 @@
           </p:nvPr>
         </p:nvSpPr>
         <p:spPr>
-          <a:xfrm>
-            <a:off x="2951850" y="1515875"/>
-            <a:ext cx="3240300" cy="1208400"/>
+          <a:xfrm flipH="1">
+            <a:off x="720000" y="1414731"/>
+            <a:ext cx="7704000" cy="2900960"/>
           </a:xfrm>
-          <a:prstGeom prst="rect">
-            <a:avLst/>
-          </a:prstGeom>
         </p:spPr>
         <p:txBody>
-          <a:bodyPr spcFirstLastPara="1" wrap="square" lIns="91425" tIns="0" rIns="91425" bIns="91425" anchor="t" anchorCtr="0">
-            <a:noAutofit/>
-          </a:bodyPr>
+          <a:bodyPr/>
           <a:lstStyle/>
           <a:p>
-            <a:pPr marL="0" lvl="0" indent="0" algn="ctr" rtl="0">
-              <a:spcBef>
-                <a:spcPts val="0"/>
-              </a:spcBef>
-              <a:spcAft>
-                <a:spcPts val="0"/>
-              </a:spcAft>
-              <a:buNone/>
-            </a:pPr>
-            <a:endParaRPr dirty="0"/>
-          </a:p>
-          <a:p>
-            <a:pPr marL="0" lvl="0" indent="0" algn="ctr" rtl="0">
-              <a:spcBef>
-                <a:spcPts val="0"/>
-              </a:spcBef>
-              <a:spcAft>
-                <a:spcPts val="0"/>
-              </a:spcAft>
-              <a:buNone/>
-            </a:pPr>
-            <a:endParaRPr dirty="0"/>
-          </a:p>
-          <a:p>
-            <a:pPr marL="0" lvl="0" indent="0" algn="ctr" rtl="0">
-              <a:spcBef>
-                <a:spcPts val="0"/>
-              </a:spcBef>
-              <a:spcAft>
-                <a:spcPts val="0"/>
-              </a:spcAft>
-              <a:buNone/>
-            </a:pPr>
-            <a:endParaRPr dirty="0"/>
-          </a:p>
-          <a:p>
-            <a:pPr marL="0" lvl="0" indent="0" algn="ctr" rtl="0">
-              <a:spcBef>
-                <a:spcPts val="0"/>
-              </a:spcBef>
-              <a:spcAft>
-                <a:spcPts val="0"/>
-              </a:spcAft>
-              <a:buNone/>
-            </a:pPr>
-            <a:endParaRPr dirty="0"/>
-          </a:p>
-          <a:p>
-            <a:pPr marL="0" lvl="0" indent="0" algn="ctr" rtl="0">
-              <a:spcBef>
-                <a:spcPts val="0"/>
-              </a:spcBef>
-              <a:spcAft>
-                <a:spcPts val="0"/>
-              </a:spcAft>
-              <a:buNone/>
-            </a:pPr>
-            <a:endParaRPr dirty="0"/>
-          </a:p>
-          <a:p>
-            <a:pPr marL="0" lvl="0" indent="0" algn="ctr" rtl="0">
-              <a:spcBef>
-                <a:spcPts val="0"/>
-              </a:spcBef>
-              <a:spcAft>
-                <a:spcPts val="0"/>
-              </a:spcAft>
-              <a:buNone/>
-            </a:pPr>
-            <a:endParaRPr dirty="0"/>
+            <a:r>
+              <a:rPr lang="it-IT" dirty="0"/>
+              <a:t>Scopo del pattern Decorator: Il pattern Decorator viene utilizzato per estendere le funzionalità di un oggetto esistente, aggiungendo nuove responsabilità senza modificarne la sua struttura o rompere il principio di singola responsabilità. Questo permette di evitare una gerarchia di classi eccessivamente complicata, consentendo alle classi di essere composte in modo flessibile.</a:t>
+            </a:r>
+          </a:p>
+        </p:txBody>
+      </p:sp>
+      <p:sp>
+        <p:nvSpPr>
+          <p:cNvPr id="3" name="Titolo 2">
+            <a:extLst>
+              <a:ext uri="{FF2B5EF4-FFF2-40B4-BE49-F238E27FC236}">
+                <a16:creationId xmlns:a16="http://schemas.microsoft.com/office/drawing/2014/main" id="{7C241545-EA7D-D838-2117-27B3F56E9BC4}"/>
+              </a:ext>
+            </a:extLst>
+          </p:cNvPr>
+          <p:cNvSpPr>
+            <a:spLocks noGrp="1"/>
+          </p:cNvSpPr>
+          <p:nvPr>
+            <p:ph type="title"/>
+          </p:nvPr>
+        </p:nvSpPr>
+        <p:spPr>
+          <a:xfrm>
+            <a:off x="1278050" y="343199"/>
+            <a:ext cx="6588000" cy="1071531"/>
+          </a:xfrm>
+        </p:spPr>
+        <p:txBody>
+          <a:bodyPr/>
+          <a:lstStyle/>
+          <a:p>
+            <a:r>
+              <a:rPr lang="it-IT" dirty="0"/>
+              <a:t>Decorator</a:t>
+            </a:r>
           </a:p>
         </p:txBody>
       </p:sp>
     </p:spTree>
+    <p:extLst>
+      <p:ext uri="{BB962C8B-B14F-4D97-AF65-F5344CB8AC3E}">
+        <p14:creationId xmlns:p14="http://schemas.microsoft.com/office/powerpoint/2010/main" val="2437436533"/>
+      </p:ext>
+    </p:extLst>
   </p:cSld>
   <p:clrMapOvr>
     <a:masterClrMapping/>
